--- a/lecture_notes/chapter_algorithms/alg2_binary_search/chapter_binary_search.pptx
+++ b/lecture_notes/chapter_algorithms/alg2_binary_search/chapter_binary_search.pptx
@@ -3635,7 +3635,7 @@
   <pc:docChgLst>
     <pc:chgData name="Toby Donaldson" userId="2e6e5431-bb17-4c41-9985-d39c50d83c73" providerId="ADAL" clId="{92D8EBF5-1C0F-F947-8901-5648E43EEFDF}"/>
     <pc:docChg chg="undo redo custSel addSld delSld modSld delSection modSection">
-      <pc:chgData name="Toby Donaldson" userId="2e6e5431-bb17-4c41-9985-d39c50d83c73" providerId="ADAL" clId="{92D8EBF5-1C0F-F947-8901-5648E43EEFDF}" dt="2024-11-25T02:49:28.604" v="5358" actId="1076"/>
+      <pc:chgData name="Toby Donaldson" userId="2e6e5431-bb17-4c41-9985-d39c50d83c73" providerId="ADAL" clId="{92D8EBF5-1C0F-F947-8901-5648E43EEFDF}" dt="2024-11-25T06:31:50.656" v="5359" actId="1076"/>
       <pc:docMkLst>
         <pc:docMk/>
       </pc:docMkLst>
@@ -5741,7 +5741,7 @@
         </pc:sldMkLst>
       </pc:sldChg>
       <pc:sldChg chg="addSp delSp modSp add mod">
-        <pc:chgData name="Toby Donaldson" userId="2e6e5431-bb17-4c41-9985-d39c50d83c73" providerId="ADAL" clId="{92D8EBF5-1C0F-F947-8901-5648E43EEFDF}" dt="2024-11-25T02:49:28.604" v="5358" actId="1076"/>
+        <pc:chgData name="Toby Donaldson" userId="2e6e5431-bb17-4c41-9985-d39c50d83c73" providerId="ADAL" clId="{92D8EBF5-1C0F-F947-8901-5648E43EEFDF}" dt="2024-11-25T06:31:50.656" v="5359" actId="1076"/>
         <pc:sldMkLst>
           <pc:docMk/>
           <pc:sldMk cId="3026851432" sldId="316"/>
@@ -5763,7 +5763,7 @@
           </ac:spMkLst>
         </pc:spChg>
         <pc:graphicFrameChg chg="add mod modGraphic">
-          <ac:chgData name="Toby Donaldson" userId="2e6e5431-bb17-4c41-9985-d39c50d83c73" providerId="ADAL" clId="{92D8EBF5-1C0F-F947-8901-5648E43EEFDF}" dt="2024-11-25T02:49:28.604" v="5358" actId="1076"/>
+          <ac:chgData name="Toby Donaldson" userId="2e6e5431-bb17-4c41-9985-d39c50d83c73" providerId="ADAL" clId="{92D8EBF5-1C0F-F947-8901-5648E43EEFDF}" dt="2024-11-25T06:31:50.656" v="5359" actId="1076"/>
           <ac:graphicFrameMkLst>
             <pc:docMk/>
             <pc:sldMk cId="3026851432" sldId="316"/>
@@ -24543,13 +24543,13 @@
               <p:nvPr>
                 <p:extLst>
                   <p:ext uri="{D42A27DB-BD31-4B8C-83A1-F6EECF244321}">
-                    <p14:modId xmlns:p14="http://schemas.microsoft.com/office/powerpoint/2010/main" val="1613365930"/>
+                    <p14:modId xmlns:p14="http://schemas.microsoft.com/office/powerpoint/2010/main" val="1184121019"/>
                   </p:ext>
                 </p:extLst>
               </p:nvPr>
             </p:nvGraphicFramePr>
             <p:xfrm>
-              <a:off x="1699287" y="1280039"/>
+              <a:off x="1699287" y="1600551"/>
               <a:ext cx="8793425" cy="2865120"/>
             </p:xfrm>
             <a:graphic>
@@ -25019,13 +25019,13 @@
               <p:nvPr>
                 <p:extLst>
                   <p:ext uri="{D42A27DB-BD31-4B8C-83A1-F6EECF244321}">
-                    <p14:modId xmlns:p14="http://schemas.microsoft.com/office/powerpoint/2010/main" val="1613365930"/>
+                    <p14:modId xmlns:p14="http://schemas.microsoft.com/office/powerpoint/2010/main" val="1184121019"/>
                   </p:ext>
                 </p:extLst>
               </p:nvPr>
             </p:nvGraphicFramePr>
             <p:xfrm>
-              <a:off x="1699287" y="1280039"/>
+              <a:off x="1699287" y="1600551"/>
               <a:ext cx="8793425" cy="2865120"/>
             </p:xfrm>
             <a:graphic>
@@ -25112,7 +25112,7 @@
                         <a:blipFill>
                           <a:blip r:embed="rId2"/>
                           <a:stretch>
-                            <a:fillRect l="-183673" t="-3922" r="-816" b="-360784"/>
+                            <a:fillRect l="-183673" t="-6000" r="-816" b="-368000"/>
                           </a:stretch>
                         </a:blipFill>
                       </a:tcPr>
